--- a/Présentation/P01_02_présentation.pptx
+++ b/Présentation/P01_02_présentation.pptx
@@ -4491,8 +4491,8 @@
             <a:defRPr cap="all"/>
           </a:pPr>
           <a:r>
-            <a:rPr lang="fr-FR"/>
-            <a:t>Présence international </a:t>
+            <a:rPr lang="fr-FR" dirty="0"/>
+            <a:t>Présence internationale </a:t>
           </a:r>
           <a:endParaRPr lang="en-US" dirty="0"/>
         </a:p>
@@ -6443,8 +6443,8 @@
             <a:defRPr cap="all"/>
           </a:pPr>
           <a:r>
-            <a:rPr lang="fr-FR" sz="2500" kern="1200"/>
-            <a:t>Présence international </a:t>
+            <a:rPr lang="fr-FR" sz="2500" kern="1200" dirty="0"/>
+            <a:t>Présence internationale </a:t>
           </a:r>
           <a:endParaRPr lang="en-US" sz="2500" kern="1200" dirty="0"/>
         </a:p>
@@ -14328,7 +14328,7 @@
           <a:p>
             <a:fld id="{91DBD549-E78D-410E-8CAE-B9C1F1BD783C}" type="datetimeFigureOut">
               <a:rPr lang="fr-FR" smtClean="0"/>
-              <a:t>08/04/2021</a:t>
+              <a:t>13/04/2021</a:t>
             </a:fld>
             <a:endParaRPr lang="fr-FR"/>
           </a:p>
@@ -14653,9 +14653,6 @@
             </a:r>
           </a:p>
           <a:p>
-            <a:endParaRPr lang="fr-FR" dirty="0"/>
-          </a:p>
-          <a:p>
             <a:r>
               <a:rPr lang="fr-FR" dirty="0"/>
               <a:t>Le but de ce projet est de concevoir un </a:t>
@@ -14882,7 +14879,15 @@
             </a:pPr>
             <a:r>
               <a:rPr lang="fr-FR" dirty="0"/>
-              <a:t>Tout d’abord les utilisateurs se digitalise : Les échanges, les transactions, etc… s’accroit chaque année avec une augmentation de 10% sur 3 ans </a:t>
+              <a:t>Tout d’abord les utilisateurs se digitalise : Les échanges, les </a:t>
+            </a:r>
+            <a:r>
+              <a:rPr lang="fr-FR"/>
+              <a:t>transactions digital, </a:t>
+            </a:r>
+            <a:r>
+              <a:rPr lang="fr-FR" dirty="0"/>
+              <a:t>etc… s’accroit chaque année</a:t>
             </a:r>
           </a:p>
           <a:p>
@@ -14892,7 +14897,7 @@
             </a:pPr>
             <a:r>
               <a:rPr lang="fr-FR" dirty="0"/>
-              <a:t>Ensuite il y a une forte concurrence des banques en ligne avec potentiellement environ 20% de nouveaux client par an sur 3 ans.</a:t>
+              <a:t>Ensuite il y a une forte concurrence des banques en ligne </a:t>
             </a:r>
           </a:p>
           <a:p>
@@ -14902,7 +14907,7 @@
             </a:pPr>
             <a:r>
               <a:rPr lang="fr-FR" dirty="0"/>
-              <a:t>Et le dernier point est la présence dans + de 100 pays répartie dans le monde de la banque « </a:t>
+              <a:t>Et le dernier point est la présence internationale dans + de 100 pays répartie dans le monde de la banque « </a:t>
             </a:r>
             <a:r>
               <a:rPr lang="fr-FR" dirty="0" err="1"/>
@@ -15006,7 +15011,7 @@
           <a:p>
             <a:r>
               <a:rPr lang="fr-FR" dirty="0"/>
-              <a:t>- d’améliorer l’expérience client en fluidifiant les échanges digital dont la nouvelle génération est habituées.</a:t>
+              <a:t>- d’améliorer l’expérience client en fluidifiant les échanges digitaux dont la nouvelle génération est habituées.</a:t>
             </a:r>
           </a:p>
           <a:p>
@@ -15372,7 +15377,7 @@
           <a:p>
             <a:r>
               <a:rPr lang="fr-FR" dirty="0"/>
-              <a:t>Pour le présenté rapidement, ce service propose des modèles pré-entrainé basé sur plusieurs axe exposant une API REST, pour schématiser les 3 axe principaux, il y a des model sur le langage, la vision et la décision</a:t>
+              <a:t>Pour le présenté rapidement, ce service propose des modèles pré-entrainé basé sur plusieurs axe exposant une API, pour schématiser les 3 axe principaux (car il en existe d’autre), il y a des model sur le langage, la vision et la décision</a:t>
             </a:r>
           </a:p>
           <a:p>
@@ -15546,7 +15551,7 @@
           <a:p>
             <a:r>
               <a:rPr lang="fr-FR" dirty="0"/>
-              <a:t>Cette api fonctionne grâce à un ou plusieurs texte envoyer par une requête POST et ensuite elle retourne 3 indicateur clé qui sont </a:t>
+              <a:t>Cette api fonctionne grâce à un ou plusieurs texte envoyer par une requête et ensuite elle retourne 3 indicateur clé qui sont </a:t>
             </a:r>
           </a:p>
           <a:p>
@@ -15847,7 +15852,7 @@
           <a:p>
             <a:fld id="{6C0355DE-9862-43B3-BD2F-26E66D4387A9}" type="datetimeFigureOut">
               <a:rPr lang="fr-FR" smtClean="0"/>
-              <a:t>08/04/2021</a:t>
+              <a:t>13/04/2021</a:t>
             </a:fld>
             <a:endParaRPr lang="fr-FR"/>
           </a:p>
@@ -16045,7 +16050,7 @@
           <a:p>
             <a:fld id="{6C0355DE-9862-43B3-BD2F-26E66D4387A9}" type="datetimeFigureOut">
               <a:rPr lang="fr-FR" smtClean="0"/>
-              <a:t>08/04/2021</a:t>
+              <a:t>13/04/2021</a:t>
             </a:fld>
             <a:endParaRPr lang="fr-FR"/>
           </a:p>
@@ -16253,7 +16258,7 @@
           <a:p>
             <a:fld id="{6C0355DE-9862-43B3-BD2F-26E66D4387A9}" type="datetimeFigureOut">
               <a:rPr lang="fr-FR" smtClean="0"/>
-              <a:t>08/04/2021</a:t>
+              <a:t>13/04/2021</a:t>
             </a:fld>
             <a:endParaRPr lang="fr-FR"/>
           </a:p>
@@ -16451,7 +16456,7 @@
           <a:p>
             <a:fld id="{6C0355DE-9862-43B3-BD2F-26E66D4387A9}" type="datetimeFigureOut">
               <a:rPr lang="fr-FR" smtClean="0"/>
-              <a:t>08/04/2021</a:t>
+              <a:t>13/04/2021</a:t>
             </a:fld>
             <a:endParaRPr lang="fr-FR"/>
           </a:p>
@@ -16726,7 +16731,7 @@
           <a:p>
             <a:fld id="{6C0355DE-9862-43B3-BD2F-26E66D4387A9}" type="datetimeFigureOut">
               <a:rPr lang="fr-FR" smtClean="0"/>
-              <a:t>08/04/2021</a:t>
+              <a:t>13/04/2021</a:t>
             </a:fld>
             <a:endParaRPr lang="fr-FR"/>
           </a:p>
@@ -16991,7 +16996,7 @@
           <a:p>
             <a:fld id="{6C0355DE-9862-43B3-BD2F-26E66D4387A9}" type="datetimeFigureOut">
               <a:rPr lang="fr-FR" smtClean="0"/>
-              <a:t>08/04/2021</a:t>
+              <a:t>13/04/2021</a:t>
             </a:fld>
             <a:endParaRPr lang="fr-FR"/>
           </a:p>
@@ -17403,7 +17408,7 @@
           <a:p>
             <a:fld id="{6C0355DE-9862-43B3-BD2F-26E66D4387A9}" type="datetimeFigureOut">
               <a:rPr lang="fr-FR" smtClean="0"/>
-              <a:t>08/04/2021</a:t>
+              <a:t>13/04/2021</a:t>
             </a:fld>
             <a:endParaRPr lang="fr-FR"/>
           </a:p>
@@ -17544,7 +17549,7 @@
           <a:p>
             <a:fld id="{6C0355DE-9862-43B3-BD2F-26E66D4387A9}" type="datetimeFigureOut">
               <a:rPr lang="fr-FR" smtClean="0"/>
-              <a:t>08/04/2021</a:t>
+              <a:t>13/04/2021</a:t>
             </a:fld>
             <a:endParaRPr lang="fr-FR"/>
           </a:p>
@@ -17657,7 +17662,7 @@
           <a:p>
             <a:fld id="{6C0355DE-9862-43B3-BD2F-26E66D4387A9}" type="datetimeFigureOut">
               <a:rPr lang="fr-FR" smtClean="0"/>
-              <a:t>08/04/2021</a:t>
+              <a:t>13/04/2021</a:t>
             </a:fld>
             <a:endParaRPr lang="fr-FR"/>
           </a:p>
@@ -17968,7 +17973,7 @@
           <a:p>
             <a:fld id="{6C0355DE-9862-43B3-BD2F-26E66D4387A9}" type="datetimeFigureOut">
               <a:rPr lang="fr-FR" smtClean="0"/>
-              <a:t>08/04/2021</a:t>
+              <a:t>13/04/2021</a:t>
             </a:fld>
             <a:endParaRPr lang="fr-FR"/>
           </a:p>
@@ -18256,7 +18261,7 @@
           <a:p>
             <a:fld id="{6C0355DE-9862-43B3-BD2F-26E66D4387A9}" type="datetimeFigureOut">
               <a:rPr lang="fr-FR" smtClean="0"/>
-              <a:t>08/04/2021</a:t>
+              <a:t>13/04/2021</a:t>
             </a:fld>
             <a:endParaRPr lang="fr-FR"/>
           </a:p>
@@ -18497,7 +18502,7 @@
           <a:p>
             <a:fld id="{6C0355DE-9862-43B3-BD2F-26E66D4387A9}" type="datetimeFigureOut">
               <a:rPr lang="fr-FR" smtClean="0"/>
-              <a:t>08/04/2021</a:t>
+              <a:t>13/04/2021</a:t>
             </a:fld>
             <a:endParaRPr lang="fr-FR"/>
           </a:p>
@@ -20099,7 +20104,7 @@
             <p:ph idx="1"/>
             <p:extLst>
               <p:ext uri="{D42A27DB-BD31-4B8C-83A1-F6EECF244321}">
-                <p14:modId xmlns:p14="http://schemas.microsoft.com/office/powerpoint/2010/main" val="2351581373"/>
+                <p14:modId xmlns:p14="http://schemas.microsoft.com/office/powerpoint/2010/main" val="1746439465"/>
               </p:ext>
             </p:extLst>
           </p:nvPr>
